--- a/Organizador.pptx
+++ b/Organizador.pptx
@@ -8,7 +8,9 @@
     <p:sldId id="256" r:id="rId2"/>
     <p:sldId id="257" r:id="rId3"/>
     <p:sldId id="258" r:id="rId4"/>
-    <p:sldId id="259" r:id="rId5"/>
+    <p:sldId id="260" r:id="rId5"/>
+    <p:sldId id="259" r:id="rId6"/>
+    <p:sldId id="261" r:id="rId7"/>
   </p:sldIdLst>
   <p:sldSz cx="12192000" cy="6858000"/>
   <p:notesSz cx="6858000" cy="9144000"/>
@@ -107,6 +109,11 @@
       </a:defRPr>
     </a:lvl9pPr>
   </p:defaultTextStyle>
+  <p:extLst>
+    <p:ext uri="{EFAFB233-063F-42B5-8137-9DF3F51BA10A}">
+      <p15:sldGuideLst xmlns:p15="http://schemas.microsoft.com/office/powerpoint/2012/main"/>
+    </p:ext>
+  </p:extLst>
 </p:presentation>
 </file>
 
@@ -327,7 +334,7 @@
           <a:p>
             <a:fld id="{9AB3A824-1A51-4B26-AD58-A6D8E14F6C04}" type="datetimeFigureOut">
               <a:rPr lang="en-US" smtClean="0"/>
-              <a:t>5/16/25</a:t>
+              <a:t>5/19/25</a:t>
             </a:fld>
             <a:endParaRPr lang="en-US" dirty="0"/>
           </a:p>
@@ -667,7 +674,7 @@
           <a:p>
             <a:fld id="{D857E33E-8B18-4087-B112-809917729534}" type="datetimeFigureOut">
               <a:rPr lang="en-US" smtClean="0"/>
-              <a:t>5/16/25</a:t>
+              <a:t>5/19/25</a:t>
             </a:fld>
             <a:endParaRPr lang="en-US" dirty="0"/>
           </a:p>
@@ -975,7 +982,7 @@
           <a:p>
             <a:fld id="{D3FFE419-2371-464F-8239-3959401C3561}" type="datetimeFigureOut">
               <a:rPr lang="en-US" smtClean="0"/>
-              <a:t>5/16/25</a:t>
+              <a:t>5/19/25</a:t>
             </a:fld>
             <a:endParaRPr lang="en-US" dirty="0"/>
           </a:p>
@@ -1228,7 +1235,7 @@
           <a:p>
             <a:fld id="{97D162C4-EDD9-4389-A98B-B87ECEA2A816}" type="datetimeFigureOut">
               <a:rPr lang="en-US" smtClean="0"/>
-              <a:t>5/16/25</a:t>
+              <a:t>5/19/25</a:t>
             </a:fld>
             <a:endParaRPr lang="en-US" dirty="0"/>
           </a:p>
@@ -1641,7 +1648,7 @@
           <a:p>
             <a:fld id="{3E5059C3-6A89-4494-99FF-5A4D6FFD50EB}" type="datetimeFigureOut">
               <a:rPr lang="en-US" smtClean="0"/>
-              <a:t>5/16/25</a:t>
+              <a:t>5/19/25</a:t>
             </a:fld>
             <a:endParaRPr lang="en-US" dirty="0"/>
           </a:p>
@@ -1961,7 +1968,7 @@
           <a:p>
             <a:fld id="{CA954B2F-12DE-47F5-8894-472B206D2E1E}" type="datetimeFigureOut">
               <a:rPr lang="en-US" smtClean="0"/>
-              <a:t>5/16/25</a:t>
+              <a:t>5/19/25</a:t>
             </a:fld>
             <a:endParaRPr lang="en-US" dirty="0"/>
           </a:p>
@@ -2511,7 +2518,7 @@
           <a:p>
             <a:fld id="{3CBC1C18-307B-4F68-A007-B5B542270E8D}" type="datetimeFigureOut">
               <a:rPr lang="en-US" smtClean="0"/>
-              <a:t>5/16/25</a:t>
+              <a:t>5/19/25</a:t>
             </a:fld>
             <a:endParaRPr lang="en-US" dirty="0"/>
           </a:p>
@@ -2714,7 +2721,7 @@
           <a:p>
             <a:fld id="{1FAF3416-4057-4DAA-829D-4CA07428D088}" type="datetimeFigureOut">
               <a:rPr lang="en-US" smtClean="0"/>
-              <a:t>5/16/25</a:t>
+              <a:t>5/19/25</a:t>
             </a:fld>
             <a:endParaRPr lang="en-US" dirty="0"/>
           </a:p>
@@ -2933,7 +2940,7 @@
           <a:p>
             <a:fld id="{921D9284-D300-4297-87F7-E791DCC15DB1}" type="datetimeFigureOut">
               <a:rPr lang="en-US" smtClean="0"/>
-              <a:t>5/16/25</a:t>
+              <a:t>5/19/25</a:t>
             </a:fld>
             <a:endParaRPr lang="en-US" dirty="0"/>
           </a:p>
@@ -3308,7 +3315,7 @@
           <a:p>
             <a:fld id="{37D525BB-DA17-4BA0-B3C8-3AC3ABC827E6}" type="datetimeFigureOut">
               <a:rPr lang="en-US" smtClean="0"/>
-              <a:t>5/16/25</a:t>
+              <a:t>5/19/25</a:t>
             </a:fld>
             <a:endParaRPr lang="en-US" dirty="0"/>
           </a:p>
@@ -3717,7 +3724,7 @@
           <a:p>
             <a:fld id="{B16C4C9A-3960-41CF-A4E9-2A8FB932454B}" type="datetimeFigureOut">
               <a:rPr lang="en-US" smtClean="0"/>
-              <a:t>5/16/25</a:t>
+              <a:t>5/19/25</a:t>
             </a:fld>
             <a:endParaRPr lang="en-US" dirty="0"/>
           </a:p>
@@ -4034,7 +4041,7 @@
           <a:p>
             <a:fld id="{3CBC1C18-307B-4F68-A007-B5B542270E8D}" type="datetimeFigureOut">
               <a:rPr lang="en-US" smtClean="0"/>
-              <a:t>5/16/25</a:t>
+              <a:t>5/19/25</a:t>
             </a:fld>
             <a:endParaRPr lang="en-US" dirty="0"/>
           </a:p>
@@ -5490,6 +5497,66 @@
           <a:chExt cx="0" cy="0"/>
         </a:xfrm>
       </p:grpSpPr>
+      <p:pic>
+        <p:nvPicPr>
+          <p:cNvPr id="7" name="Imagen 6">
+            <a:extLst>
+              <a:ext uri="{FF2B5EF4-FFF2-40B4-BE49-F238E27FC236}">
+                <a16:creationId xmlns:a16="http://schemas.microsoft.com/office/drawing/2014/main" id="{2995A723-7FF0-8F6B-E275-2A9A5A6BFCF5}"/>
+              </a:ext>
+            </a:extLst>
+          </p:cNvPr>
+          <p:cNvPicPr>
+            <a:picLocks noChangeAspect="1"/>
+          </p:cNvPicPr>
+          <p:nvPr/>
+        </p:nvPicPr>
+        <p:blipFill>
+          <a:blip r:embed="rId2"/>
+          <a:stretch>
+            <a:fillRect/>
+          </a:stretch>
+        </p:blipFill>
+        <p:spPr>
+          <a:xfrm>
+            <a:off x="4224217" y="228600"/>
+            <a:ext cx="3202573" cy="6400800"/>
+          </a:xfrm>
+          <a:prstGeom prst="rect">
+            <a:avLst/>
+          </a:prstGeom>
+        </p:spPr>
+      </p:pic>
+    </p:spTree>
+    <p:extLst>
+      <p:ext uri="{BB962C8B-B14F-4D97-AF65-F5344CB8AC3E}">
+        <p14:creationId xmlns:p14="http://schemas.microsoft.com/office/powerpoint/2010/main" val="514132186"/>
+      </p:ext>
+    </p:extLst>
+  </p:cSld>
+  <p:clrMapOvr>
+    <a:masterClrMapping/>
+  </p:clrMapOvr>
+</p:sld>
+</file>
+
+<file path=ppt/slides/slide5.xml><?xml version="1.0" encoding="utf-8"?>
+<p:sld xmlns:a="http://schemas.openxmlformats.org/drawingml/2006/main" xmlns:r="http://schemas.openxmlformats.org/officeDocument/2006/relationships" xmlns:p="http://schemas.openxmlformats.org/presentationml/2006/main">
+  <p:cSld>
+    <p:spTree>
+      <p:nvGrpSpPr>
+        <p:cNvPr id="1" name=""/>
+        <p:cNvGrpSpPr/>
+        <p:nvPr/>
+      </p:nvGrpSpPr>
+      <p:grpSpPr>
+        <a:xfrm>
+          <a:off x="0" y="0"/>
+          <a:ext cx="0" cy="0"/>
+          <a:chOff x="0" y="0"/>
+          <a:chExt cx="0" cy="0"/>
+        </a:xfrm>
+      </p:grpSpPr>
       <p:sp>
         <p:nvSpPr>
           <p:cNvPr id="4" name="Rectángulo 3">
@@ -5607,6 +5674,143 @@
     <p:extLst>
       <p:ext uri="{BB962C8B-B14F-4D97-AF65-F5344CB8AC3E}">
         <p14:creationId xmlns:p14="http://schemas.microsoft.com/office/powerpoint/2010/main" val="1027469626"/>
+      </p:ext>
+    </p:extLst>
+  </p:cSld>
+  <p:clrMapOvr>
+    <a:masterClrMapping/>
+  </p:clrMapOvr>
+</p:sld>
+</file>
+
+<file path=ppt/slides/slide6.xml><?xml version="1.0" encoding="utf-8"?>
+<p:sld xmlns:a="http://schemas.openxmlformats.org/drawingml/2006/main" xmlns:r="http://schemas.openxmlformats.org/officeDocument/2006/relationships" xmlns:p="http://schemas.openxmlformats.org/presentationml/2006/main">
+  <p:cSld>
+    <p:spTree>
+      <p:nvGrpSpPr>
+        <p:cNvPr id="1" name=""/>
+        <p:cNvGrpSpPr/>
+        <p:nvPr/>
+      </p:nvGrpSpPr>
+      <p:grpSpPr>
+        <a:xfrm>
+          <a:off x="0" y="0"/>
+          <a:ext cx="0" cy="0"/>
+          <a:chOff x="0" y="0"/>
+          <a:chExt cx="0" cy="0"/>
+        </a:xfrm>
+      </p:grpSpPr>
+      <p:sp>
+        <p:nvSpPr>
+          <p:cNvPr id="2" name="Título 1">
+            <a:extLst>
+              <a:ext uri="{FF2B5EF4-FFF2-40B4-BE49-F238E27FC236}">
+                <a16:creationId xmlns:a16="http://schemas.microsoft.com/office/drawing/2014/main" id="{DC9DAFD1-6C1B-31A2-BFD2-8724A80ED07A}"/>
+              </a:ext>
+            </a:extLst>
+          </p:cNvPr>
+          <p:cNvSpPr>
+            <a:spLocks noGrp="1"/>
+          </p:cNvSpPr>
+          <p:nvPr>
+            <p:ph type="title"/>
+          </p:nvPr>
+        </p:nvSpPr>
+        <p:spPr/>
+        <p:txBody>
+          <a:bodyPr/>
+          <a:lstStyle/>
+          <a:p>
+            <a:r>
+              <a:rPr lang="es-MX" dirty="0"/>
+              <a:t>Conclusiones</a:t>
+            </a:r>
+          </a:p>
+        </p:txBody>
+      </p:sp>
+      <p:sp>
+        <p:nvSpPr>
+          <p:cNvPr id="3" name="Marcador de contenido 2">
+            <a:extLst>
+              <a:ext uri="{FF2B5EF4-FFF2-40B4-BE49-F238E27FC236}">
+                <a16:creationId xmlns:a16="http://schemas.microsoft.com/office/drawing/2014/main" id="{AFAB9F1E-FE99-2256-F0B0-0ABA4FBA1B41}"/>
+              </a:ext>
+            </a:extLst>
+          </p:cNvPr>
+          <p:cNvSpPr>
+            <a:spLocks noGrp="1"/>
+          </p:cNvSpPr>
+          <p:nvPr>
+            <p:ph idx="1"/>
+          </p:nvPr>
+        </p:nvSpPr>
+        <p:spPr/>
+        <p:txBody>
+          <a:bodyPr>
+            <a:normAutofit fontScale="92500" lnSpcReduction="20000"/>
+          </a:bodyPr>
+          <a:lstStyle/>
+          <a:p>
+            <a:r>
+              <a:rPr lang="es-MX" b="1" dirty="0"/>
+              <a:t>Automatización inteligente</a:t>
+            </a:r>
+            <a:r>
+              <a:rPr lang="es-MX" dirty="0"/>
+              <a:t>: Logramos clasificar archivos no solo por su nombre o tipo, sino por su </a:t>
+            </a:r>
+            <a:r>
+              <a:rPr lang="es-MX" b="1" dirty="0"/>
+              <a:t>contenido real</a:t>
+            </a:r>
+            <a:r>
+              <a:rPr lang="es-MX" dirty="0"/>
+              <a:t>, gracias al uso de modelos de lenguaje e IA semántica.</a:t>
+            </a:r>
+          </a:p>
+          <a:p>
+            <a:endParaRPr lang="es-MX" dirty="0"/>
+          </a:p>
+          <a:p>
+            <a:r>
+              <a:rPr lang="es-MX" b="1" dirty="0"/>
+              <a:t>Organización significativa</a:t>
+            </a:r>
+            <a:r>
+              <a:rPr lang="es-MX" dirty="0"/>
+              <a:t>: El sistema agrupa los documentos en </a:t>
+            </a:r>
+            <a:r>
+              <a:rPr lang="es-MX" b="1" dirty="0"/>
+              <a:t>carpetas temáticas</a:t>
+            </a:r>
+            <a:r>
+              <a:rPr lang="es-MX" dirty="0"/>
+              <a:t> relevantes, facilitando su uso posterior sin intervención manual.</a:t>
+            </a:r>
+          </a:p>
+          <a:p>
+            <a:endParaRPr lang="es-MX" dirty="0"/>
+          </a:p>
+          <a:p>
+            <a:r>
+              <a:rPr lang="es-MX" b="1" dirty="0"/>
+              <a:t>Escalable y mejorable</a:t>
+            </a:r>
+            <a:r>
+              <a:rPr lang="es-MX" dirty="0"/>
+              <a:t>: Este enfoque puede crecer con más archivos, detectar mejor los temas, y hasta incorporar funciones como resúmenes automáticos o búsqueda por contexto.</a:t>
+            </a:r>
+          </a:p>
+          <a:p>
+            <a:endParaRPr lang="es-MX" dirty="0"/>
+          </a:p>
+        </p:txBody>
+      </p:sp>
+    </p:spTree>
+    <p:extLst>
+      <p:ext uri="{BB962C8B-B14F-4D97-AF65-F5344CB8AC3E}">
+        <p14:creationId xmlns:p14="http://schemas.microsoft.com/office/powerpoint/2010/main" val="2303784004"/>
       </p:ext>
     </p:extLst>
   </p:cSld>
